--- a/Hulajnogi część podstawowa.pptx
+++ b/Hulajnogi część podstawowa.pptx
@@ -11,9 +11,8 @@
     <p:sldId id="260" r:id="rId5"/>
     <p:sldId id="267" r:id="rId6"/>
     <p:sldId id="263" r:id="rId7"/>
-    <p:sldId id="266" r:id="rId8"/>
-    <p:sldId id="264" r:id="rId9"/>
-    <p:sldId id="265" r:id="rId10"/>
+    <p:sldId id="264" r:id="rId8"/>
+    <p:sldId id="265" r:id="rId9"/>
   </p:sldIdLst>
   <p:sldSz cx="12192000" cy="6858000"/>
   <p:notesSz cx="6858000" cy="9144000"/>
@@ -7730,8 +7729,8 @@
           </a:prstGeom>
         </p:spPr>
       </p:pic>
-      <mc:AlternateContent xmlns:mc="http://schemas.openxmlformats.org/markup-compatibility/2006">
-        <mc:Choice xmlns:a14="http://schemas.microsoft.com/office/drawing/2010/main" Requires="a14">
+      <mc:AlternateContent xmlns:mc="http://schemas.openxmlformats.org/markup-compatibility/2006" xmlns:a14="http://schemas.microsoft.com/office/drawing/2010/main">
+        <mc:Choice Requires="a14">
           <p:sp>
             <p:nvSpPr>
               <p:cNvPr id="5" name="Content Placeholder 2">
@@ -8700,7 +8699,7 @@
             </p:txBody>
           </p:sp>
         </mc:Choice>
-        <mc:Fallback>
+        <mc:Fallback xmlns="">
           <p:sp>
             <p:nvSpPr>
               <p:cNvPr id="5" name="Content Placeholder 2">
@@ -9070,1112 +9069,6 @@
           <p:cNvPr id="2" name="Tytuł 1">
             <a:extLst>
               <a:ext uri="{FF2B5EF4-FFF2-40B4-BE49-F238E27FC236}">
-                <a16:creationId xmlns:a16="http://schemas.microsoft.com/office/drawing/2014/main" id="{3C69BC71-5965-4487-972D-BAC1BA5642FE}"/>
-              </a:ext>
-            </a:extLst>
-          </p:cNvPr>
-          <p:cNvSpPr>
-            <a:spLocks noGrp="1"/>
-          </p:cNvSpPr>
-          <p:nvPr>
-            <p:ph type="title"/>
-          </p:nvPr>
-        </p:nvSpPr>
-        <p:spPr/>
-        <p:txBody>
-          <a:bodyPr/>
-          <a:lstStyle/>
-          <a:p>
-            <a:r>
-              <a:rPr lang="pl-PL" dirty="0"/>
-              <a:t>Ograniczenia</a:t>
-            </a:r>
-          </a:p>
-        </p:txBody>
-      </p:sp>
-      <mc:AlternateContent xmlns:mc="http://schemas.openxmlformats.org/markup-compatibility/2006">
-        <mc:Choice xmlns:a14="http://schemas.microsoft.com/office/drawing/2010/main" Requires="a14">
-          <p:sp>
-            <p:nvSpPr>
-              <p:cNvPr id="3" name="Symbol zastępczy zawartości 2">
-                <a:extLst>
-                  <a:ext uri="{FF2B5EF4-FFF2-40B4-BE49-F238E27FC236}">
-                    <a16:creationId xmlns:a16="http://schemas.microsoft.com/office/drawing/2014/main" id="{6618171B-5A90-4CAA-9AED-E0C1015B7BDA}"/>
-                  </a:ext>
-                </a:extLst>
-              </p:cNvPr>
-              <p:cNvSpPr>
-                <a:spLocks noGrp="1"/>
-              </p:cNvSpPr>
-              <p:nvPr>
-                <p:ph idx="1"/>
-              </p:nvPr>
-            </p:nvSpPr>
-            <p:spPr/>
-            <p:txBody>
-              <a:bodyPr/>
-              <a:lstStyle/>
-              <a:p>
-                <a:pPr rtl="0" fontAlgn="base">
-                  <a:lnSpc>
-                    <a:spcPct val="150000"/>
-                  </a:lnSpc>
-                  <a:spcBef>
-                    <a:spcPts val="0"/>
-                  </a:spcBef>
-                  <a:spcAft>
-                    <a:spcPts val="0"/>
-                  </a:spcAft>
-                  <a:buFont typeface="+mj-lt"/>
-                  <a:buAutoNum type="arabicPeriod"/>
-                </a:pPr>
-                <a14:m>
-                  <m:oMath xmlns:m="http://schemas.openxmlformats.org/officeDocument/2006/math">
-                    <m:nary>
-                      <m:naryPr>
-                        <m:chr m:val="∑"/>
-                        <m:subHide m:val="on"/>
-                        <m:supHide m:val="on"/>
-                        <m:ctrlPr>
-                          <a:rPr lang="pl-PL" sz="1800" b="0" i="1" u="none" strike="noStrike" smtClean="0">
-                            <a:solidFill>
-                              <a:srgbClr val="000000"/>
-                            </a:solidFill>
-                            <a:effectLst/>
-                            <a:latin typeface="Cambria Math" panose="02040503050406030204" pitchFamily="18" charset="0"/>
-                          </a:rPr>
-                        </m:ctrlPr>
-                      </m:naryPr>
-                      <m:sub/>
-                      <m:sup/>
-                      <m:e>
-                        <m:r>
-                          <a:rPr lang="pl-PL" sz="1800" b="0" i="1" u="none" strike="noStrike" smtClean="0">
-                            <a:solidFill>
-                              <a:srgbClr val="000000"/>
-                            </a:solidFill>
-                            <a:effectLst/>
-                            <a:latin typeface="Cambria Math" panose="02040503050406030204" pitchFamily="18" charset="0"/>
-                          </a:rPr>
-                          <m:t>𝑒</m:t>
-                        </m:r>
-                        <m:d>
-                          <m:dPr>
-                            <m:ctrlPr>
-                              <a:rPr lang="pl-PL" sz="1800" b="0" i="1" u="none" strike="noStrike" smtClean="0">
-                                <a:solidFill>
-                                  <a:srgbClr val="000000"/>
-                                </a:solidFill>
-                                <a:effectLst/>
-                                <a:latin typeface="Cambria Math" panose="02040503050406030204" pitchFamily="18" charset="0"/>
-                              </a:rPr>
-                            </m:ctrlPr>
-                          </m:dPr>
-                          <m:e>
-                            <m:r>
-                              <a:rPr lang="pl-PL" sz="1800" b="0" i="1" u="none" strike="noStrike" smtClean="0">
-                                <a:solidFill>
-                                  <a:srgbClr val="000000"/>
-                                </a:solidFill>
-                                <a:effectLst/>
-                                <a:latin typeface="Cambria Math" panose="02040503050406030204" pitchFamily="18" charset="0"/>
-                              </a:rPr>
-                              <m:t>𝑝</m:t>
-                            </m:r>
-                          </m:e>
-                        </m:d>
-                        <m:r>
-                          <a:rPr lang="pl-PL" sz="1800" b="0" i="1" u="none" strike="noStrike" smtClean="0">
-                            <a:solidFill>
-                              <a:srgbClr val="000000"/>
-                            </a:solidFill>
-                            <a:effectLst/>
-                            <a:latin typeface="Cambria Math" panose="02040503050406030204" pitchFamily="18" charset="0"/>
-                            <a:ea typeface="Cambria Math" panose="02040503050406030204" pitchFamily="18" charset="0"/>
-                          </a:rPr>
-                          <m:t>≤</m:t>
-                        </m:r>
-                        <m:r>
-                          <a:rPr lang="pl-PL" sz="1800" b="0" i="1" u="none" strike="noStrike" smtClean="0">
-                            <a:solidFill>
-                              <a:srgbClr val="000000"/>
-                            </a:solidFill>
-                            <a:effectLst/>
-                            <a:latin typeface="Cambria Math" panose="02040503050406030204" pitchFamily="18" charset="0"/>
-                            <a:ea typeface="Cambria Math" panose="02040503050406030204" pitchFamily="18" charset="0"/>
-                          </a:rPr>
-                          <m:t>𝑚</m:t>
-                        </m:r>
-                        <m:r>
-                          <a:rPr lang="pl-PL" sz="1800" b="0" i="1" u="none" strike="noStrike" smtClean="0">
-                            <a:solidFill>
-                              <a:srgbClr val="000000"/>
-                            </a:solidFill>
-                            <a:effectLst/>
-                            <a:latin typeface="Cambria Math" panose="02040503050406030204" pitchFamily="18" charset="0"/>
-                            <a:ea typeface="Cambria Math" panose="02040503050406030204" pitchFamily="18" charset="0"/>
-                          </a:rPr>
-                          <m:t>, ∀</m:t>
-                        </m:r>
-                        <m:r>
-                          <a:rPr lang="pl-PL" sz="1800" b="0" i="1" u="none" strike="noStrike" smtClean="0">
-                            <a:solidFill>
-                              <a:srgbClr val="000000"/>
-                            </a:solidFill>
-                            <a:effectLst/>
-                            <a:latin typeface="Cambria Math" panose="02040503050406030204" pitchFamily="18" charset="0"/>
-                            <a:ea typeface="Cambria Math" panose="02040503050406030204" pitchFamily="18" charset="0"/>
-                          </a:rPr>
-                          <m:t>𝑝</m:t>
-                        </m:r>
-                        <m:r>
-                          <a:rPr lang="pl-PL" sz="1800" b="0" i="1" u="none" strike="noStrike" smtClean="0">
-                            <a:solidFill>
-                              <a:srgbClr val="000000"/>
-                            </a:solidFill>
-                            <a:effectLst/>
-                            <a:latin typeface="Cambria Math" panose="02040503050406030204" pitchFamily="18" charset="0"/>
-                            <a:ea typeface="Cambria Math" panose="02040503050406030204" pitchFamily="18" charset="0"/>
-                          </a:rPr>
-                          <m:t>∈</m:t>
-                        </m:r>
-                        <m:r>
-                          <a:rPr lang="pl-PL" sz="1800" b="0" i="1" u="none" strike="noStrike" smtClean="0">
-                            <a:solidFill>
-                              <a:srgbClr val="000000"/>
-                            </a:solidFill>
-                            <a:effectLst/>
-                            <a:latin typeface="Cambria Math" panose="02040503050406030204" pitchFamily="18" charset="0"/>
-                            <a:ea typeface="Cambria Math" panose="02040503050406030204" pitchFamily="18" charset="0"/>
-                          </a:rPr>
-                          <m:t>𝑃</m:t>
-                        </m:r>
-                      </m:e>
-                    </m:nary>
-                  </m:oMath>
-                </a14:m>
-                <a:r>
-                  <a:rPr lang="pl-PL" sz="1800" b="0" i="0" u="none" strike="noStrike" dirty="0">
-                    <a:solidFill>
-                      <a:srgbClr val="000000"/>
-                    </a:solidFill>
-                    <a:effectLst/>
-                    <a:latin typeface="Trebuchet MS (Tekst podstawowy)"/>
-                  </a:rPr>
-                  <a:t> </a:t>
-                </a:r>
-                <a:r>
-                  <a:rPr lang="pl-PL" dirty="0">
-                    <a:solidFill>
-                      <a:srgbClr val="000000"/>
-                    </a:solidFill>
-                    <a:latin typeface="Trebuchet MS (Tekst podstawowy)"/>
-                  </a:rPr>
-                  <a:t>- </a:t>
-                </a:r>
-                <a:r>
-                  <a:rPr lang="pl-PL" sz="1800" b="0" i="0" u="none" strike="noStrike" dirty="0">
-                    <a:solidFill>
-                      <a:srgbClr val="000000"/>
-                    </a:solidFill>
-                    <a:effectLst/>
-                    <a:latin typeface="Trebuchet MS (Tekst podstawowy)"/>
-                  </a:rPr>
-                  <a:t>ograniczenie na maksymalną liczbę stacji hulajnóg</a:t>
-                </a:r>
-              </a:p>
-              <a:p>
-                <a:pPr rtl="0" fontAlgn="base">
-                  <a:lnSpc>
-                    <a:spcPct val="150000"/>
-                  </a:lnSpc>
-                  <a:spcBef>
-                    <a:spcPts val="0"/>
-                  </a:spcBef>
-                  <a:spcAft>
-                    <a:spcPts val="0"/>
-                  </a:spcAft>
-                  <a:buFont typeface="+mj-lt"/>
-                  <a:buAutoNum type="arabicPeriod"/>
-                </a:pPr>
-                <a14:m>
-                  <m:oMath xmlns:m="http://schemas.openxmlformats.org/officeDocument/2006/math">
-                    <m:nary>
-                      <m:naryPr>
-                        <m:chr m:val="∑"/>
-                        <m:supHide m:val="on"/>
-                        <m:ctrlPr>
-                          <a:rPr lang="pl-PL" sz="1800" b="0" i="1" u="none" strike="noStrike" smtClean="0">
-                            <a:solidFill>
-                              <a:srgbClr val="000000"/>
-                            </a:solidFill>
-                            <a:effectLst/>
-                            <a:latin typeface="Cambria Math" panose="02040503050406030204" pitchFamily="18" charset="0"/>
-                          </a:rPr>
-                        </m:ctrlPr>
-                      </m:naryPr>
-                      <m:sub>
-                        <m:r>
-                          <m:rPr>
-                            <m:brk m:alnAt="7"/>
-                          </m:rPr>
-                          <a:rPr lang="pl-PL" sz="1800" b="0" i="1" u="none" strike="noStrike" smtClean="0">
-                            <a:solidFill>
-                              <a:srgbClr val="000000"/>
-                            </a:solidFill>
-                            <a:effectLst/>
-                            <a:latin typeface="Cambria Math" panose="02040503050406030204" pitchFamily="18" charset="0"/>
-                          </a:rPr>
-                          <m:t>𝑃</m:t>
-                        </m:r>
-                      </m:sub>
-                      <m:sup/>
-                      <m:e>
-                        <m:r>
-                          <a:rPr lang="pl-PL" i="1">
-                            <a:solidFill>
-                              <a:srgbClr val="000000"/>
-                            </a:solidFill>
-                            <a:latin typeface="Cambria Math" panose="02040503050406030204" pitchFamily="18" charset="0"/>
-                          </a:rPr>
-                          <m:t>𝑦</m:t>
-                        </m:r>
-                        <m:d>
-                          <m:dPr>
-                            <m:ctrlPr>
-                              <a:rPr lang="pl-PL" i="1">
-                                <a:solidFill>
-                                  <a:srgbClr val="000000"/>
-                                </a:solidFill>
-                                <a:latin typeface="Cambria Math" panose="02040503050406030204" pitchFamily="18" charset="0"/>
-                              </a:rPr>
-                            </m:ctrlPr>
-                          </m:dPr>
-                          <m:e>
-                            <m:r>
-                              <a:rPr lang="pl-PL" i="1">
-                                <a:solidFill>
-                                  <a:srgbClr val="000000"/>
-                                </a:solidFill>
-                                <a:latin typeface="Cambria Math" panose="02040503050406030204" pitchFamily="18" charset="0"/>
-                              </a:rPr>
-                              <m:t>𝑥</m:t>
-                            </m:r>
-                            <m:r>
-                              <a:rPr lang="pl-PL" i="1">
-                                <a:solidFill>
-                                  <a:srgbClr val="000000"/>
-                                </a:solidFill>
-                                <a:latin typeface="Cambria Math" panose="02040503050406030204" pitchFamily="18" charset="0"/>
-                              </a:rPr>
-                              <m:t>,</m:t>
-                            </m:r>
-                            <m:r>
-                              <a:rPr lang="pl-PL" i="1">
-                                <a:solidFill>
-                                  <a:srgbClr val="000000"/>
-                                </a:solidFill>
-                                <a:latin typeface="Cambria Math" panose="02040503050406030204" pitchFamily="18" charset="0"/>
-                              </a:rPr>
-                              <m:t>𝑝</m:t>
-                            </m:r>
-                          </m:e>
-                        </m:d>
-                        <m:r>
-                          <a:rPr lang="pl-PL" b="0" i="1" smtClean="0">
-                            <a:solidFill>
-                              <a:srgbClr val="000000"/>
-                            </a:solidFill>
-                            <a:latin typeface="Cambria Math" panose="02040503050406030204" pitchFamily="18" charset="0"/>
-                          </a:rPr>
-                          <m:t>=</m:t>
-                        </m:r>
-                        <m:r>
-                          <a:rPr lang="pl-PL" b="0" i="1" smtClean="0">
-                            <a:solidFill>
-                              <a:srgbClr val="000000"/>
-                            </a:solidFill>
-                            <a:latin typeface="Cambria Math" panose="02040503050406030204" pitchFamily="18" charset="0"/>
-                          </a:rPr>
-                          <m:t>𝑛</m:t>
-                        </m:r>
-                        <m:r>
-                          <a:rPr lang="pl-PL" b="0" i="1" smtClean="0">
-                            <a:solidFill>
-                              <a:srgbClr val="000000"/>
-                            </a:solidFill>
-                            <a:latin typeface="Cambria Math" panose="02040503050406030204" pitchFamily="18" charset="0"/>
-                          </a:rPr>
-                          <m:t>−1</m:t>
-                        </m:r>
-                      </m:e>
-                    </m:nary>
-                    <m:r>
-                      <a:rPr lang="pl-PL" sz="1800" b="0" i="1" u="none" strike="noStrike" smtClean="0">
-                        <a:solidFill>
-                          <a:srgbClr val="000000"/>
-                        </a:solidFill>
-                        <a:effectLst/>
-                        <a:latin typeface="Cambria Math" panose="02040503050406030204" pitchFamily="18" charset="0"/>
-                      </a:rPr>
-                      <m:t>,</m:t>
-                    </m:r>
-                    <m:r>
-                      <a:rPr lang="pl-PL" i="1">
-                        <a:solidFill>
-                          <a:srgbClr val="000000"/>
-                        </a:solidFill>
-                        <a:latin typeface="Cambria Math" panose="02040503050406030204" pitchFamily="18" charset="0"/>
-                      </a:rPr>
-                      <m:t>∀</m:t>
-                    </m:r>
-                    <m:r>
-                      <a:rPr lang="pl-PL" i="1">
-                        <a:solidFill>
-                          <a:srgbClr val="000000"/>
-                        </a:solidFill>
-                        <a:latin typeface="Cambria Math" panose="02040503050406030204" pitchFamily="18" charset="0"/>
-                        <a:ea typeface="Cambria Math" panose="02040503050406030204" pitchFamily="18" charset="0"/>
-                      </a:rPr>
-                      <m:t>𝑥</m:t>
-                    </m:r>
-                    <m:r>
-                      <a:rPr lang="pl-PL" b="0" i="1" smtClean="0">
-                        <a:solidFill>
-                          <a:srgbClr val="000000"/>
-                        </a:solidFill>
-                        <a:latin typeface="Cambria Math" panose="02040503050406030204" pitchFamily="18" charset="0"/>
-                        <a:ea typeface="Cambria Math" panose="02040503050406030204" pitchFamily="18" charset="0"/>
-                      </a:rPr>
-                      <m:t>,</m:t>
-                    </m:r>
-                    <m:r>
-                      <a:rPr lang="pl-PL" b="0" i="1" smtClean="0">
-                        <a:solidFill>
-                          <a:srgbClr val="000000"/>
-                        </a:solidFill>
-                        <a:latin typeface="Cambria Math" panose="02040503050406030204" pitchFamily="18" charset="0"/>
-                        <a:ea typeface="Cambria Math" panose="02040503050406030204" pitchFamily="18" charset="0"/>
-                      </a:rPr>
-                      <m:t>𝑝</m:t>
-                    </m:r>
-                    <m:r>
-                      <a:rPr lang="pl-PL" i="1">
-                        <a:solidFill>
-                          <a:srgbClr val="000000"/>
-                        </a:solidFill>
-                        <a:latin typeface="Cambria Math" panose="02040503050406030204" pitchFamily="18" charset="0"/>
-                        <a:ea typeface="Cambria Math" panose="02040503050406030204" pitchFamily="18" charset="0"/>
-                      </a:rPr>
-                      <m:t>∈</m:t>
-                    </m:r>
-                    <m:r>
-                      <a:rPr lang="pl-PL" b="0" i="1" smtClean="0">
-                        <a:solidFill>
-                          <a:srgbClr val="000000"/>
-                        </a:solidFill>
-                        <a:latin typeface="Cambria Math" panose="02040503050406030204" pitchFamily="18" charset="0"/>
-                        <a:ea typeface="Cambria Math" panose="02040503050406030204" pitchFamily="18" charset="0"/>
-                      </a:rPr>
-                      <m:t>𝑃</m:t>
-                    </m:r>
-                  </m:oMath>
-                </a14:m>
-                <a:r>
-                  <a:rPr lang="pl-PL" sz="1800" b="0" i="0" u="none" strike="noStrike" dirty="0">
-                    <a:solidFill>
-                      <a:srgbClr val="000000"/>
-                    </a:solidFill>
-                    <a:effectLst/>
-                    <a:latin typeface="Trebuchet MS (Tekst podstawowy)"/>
-                  </a:rPr>
-                  <a:t> – ograniczenie pomocnicze do obliczenia z(p)</a:t>
-                </a:r>
-              </a:p>
-              <a:p>
-                <a:pPr fontAlgn="base">
-                  <a:lnSpc>
-                    <a:spcPct val="150000"/>
-                  </a:lnSpc>
-                  <a:spcBef>
-                    <a:spcPts val="0"/>
-                  </a:spcBef>
-                  <a:buFont typeface="+mj-lt"/>
-                  <a:buAutoNum type="arabicPeriod"/>
-                </a:pPr>
-                <a14:m>
-                  <m:oMath xmlns:m="http://schemas.openxmlformats.org/officeDocument/2006/math">
-                    <m:r>
-                      <a:rPr lang="pl-PL" sz="1800" b="0" i="1" u="none" strike="noStrike" smtClean="0">
-                        <a:solidFill>
-                          <a:srgbClr val="000000"/>
-                        </a:solidFill>
-                        <a:effectLst/>
-                        <a:latin typeface="Cambria Math" panose="02040503050406030204" pitchFamily="18" charset="0"/>
-                      </a:rPr>
-                      <m:t>1−</m:t>
-                    </m:r>
-                    <m:r>
-                      <a:rPr lang="pl-PL" sz="1800" b="0" i="1" u="none" strike="noStrike" smtClean="0">
-                        <a:solidFill>
-                          <a:srgbClr val="000000"/>
-                        </a:solidFill>
-                        <a:effectLst/>
-                        <a:latin typeface="Cambria Math" panose="02040503050406030204" pitchFamily="18" charset="0"/>
-                      </a:rPr>
-                      <m:t>𝑒</m:t>
-                    </m:r>
-                    <m:d>
-                      <m:dPr>
-                        <m:ctrlPr>
-                          <a:rPr lang="pl-PL" sz="1800" b="0" i="1" u="none" strike="noStrike" smtClean="0">
-                            <a:solidFill>
-                              <a:srgbClr val="000000"/>
-                            </a:solidFill>
-                            <a:effectLst/>
-                            <a:latin typeface="Cambria Math" panose="02040503050406030204" pitchFamily="18" charset="0"/>
-                          </a:rPr>
-                        </m:ctrlPr>
-                      </m:dPr>
-                      <m:e>
-                        <m:r>
-                          <a:rPr lang="pl-PL" sz="1800" b="0" i="1" u="none" strike="noStrike" smtClean="0">
-                            <a:solidFill>
-                              <a:srgbClr val="000000"/>
-                            </a:solidFill>
-                            <a:effectLst/>
-                            <a:latin typeface="Cambria Math" panose="02040503050406030204" pitchFamily="18" charset="0"/>
-                          </a:rPr>
-                          <m:t>𝑝</m:t>
-                        </m:r>
-                      </m:e>
-                    </m:d>
-                    <m:r>
-                      <a:rPr lang="pl-PL" sz="1800" b="0" i="1" u="none" strike="noStrike" smtClean="0">
-                        <a:solidFill>
-                          <a:srgbClr val="000000"/>
-                        </a:solidFill>
-                        <a:effectLst/>
-                        <a:latin typeface="Cambria Math" panose="02040503050406030204" pitchFamily="18" charset="0"/>
-                        <a:ea typeface="Cambria Math" panose="02040503050406030204" pitchFamily="18" charset="0"/>
-                      </a:rPr>
-                      <m:t>≤</m:t>
-                    </m:r>
-                    <m:r>
-                      <a:rPr lang="pl-PL" sz="1800" b="0" i="1" u="none" strike="noStrike" smtClean="0">
-                        <a:solidFill>
-                          <a:srgbClr val="000000"/>
-                        </a:solidFill>
-                        <a:effectLst/>
-                        <a:latin typeface="Cambria Math" panose="02040503050406030204" pitchFamily="18" charset="0"/>
-                        <a:ea typeface="Cambria Math" panose="02040503050406030204" pitchFamily="18" charset="0"/>
-                      </a:rPr>
-                      <m:t>𝑦</m:t>
-                    </m:r>
-                    <m:d>
-                      <m:dPr>
-                        <m:ctrlPr>
-                          <a:rPr lang="pl-PL" sz="1800" b="0" i="1" u="none" strike="noStrike" smtClean="0">
-                            <a:solidFill>
-                              <a:srgbClr val="000000"/>
-                            </a:solidFill>
-                            <a:effectLst/>
-                            <a:latin typeface="Cambria Math" panose="02040503050406030204" pitchFamily="18" charset="0"/>
-                            <a:ea typeface="Cambria Math" panose="02040503050406030204" pitchFamily="18" charset="0"/>
-                          </a:rPr>
-                        </m:ctrlPr>
-                      </m:dPr>
-                      <m:e>
-                        <m:r>
-                          <a:rPr lang="pl-PL" sz="1800" b="0" i="1" u="none" strike="noStrike" smtClean="0">
-                            <a:solidFill>
-                              <a:srgbClr val="000000"/>
-                            </a:solidFill>
-                            <a:effectLst/>
-                            <a:latin typeface="Cambria Math" panose="02040503050406030204" pitchFamily="18" charset="0"/>
-                            <a:ea typeface="Cambria Math" panose="02040503050406030204" pitchFamily="18" charset="0"/>
-                          </a:rPr>
-                          <m:t>𝑥</m:t>
-                        </m:r>
-                        <m:r>
-                          <a:rPr lang="pl-PL" sz="1800" b="0" i="1" u="none" strike="noStrike" smtClean="0">
-                            <a:solidFill>
-                              <a:srgbClr val="000000"/>
-                            </a:solidFill>
-                            <a:effectLst/>
-                            <a:latin typeface="Cambria Math" panose="02040503050406030204" pitchFamily="18" charset="0"/>
-                            <a:ea typeface="Cambria Math" panose="02040503050406030204" pitchFamily="18" charset="0"/>
-                          </a:rPr>
-                          <m:t>,</m:t>
-                        </m:r>
-                        <m:r>
-                          <a:rPr lang="pl-PL" sz="1800" b="0" i="1" u="none" strike="noStrike" smtClean="0">
-                            <a:solidFill>
-                              <a:srgbClr val="000000"/>
-                            </a:solidFill>
-                            <a:effectLst/>
-                            <a:latin typeface="Cambria Math" panose="02040503050406030204" pitchFamily="18" charset="0"/>
-                            <a:ea typeface="Cambria Math" panose="02040503050406030204" pitchFamily="18" charset="0"/>
-                          </a:rPr>
-                          <m:t>𝑝</m:t>
-                        </m:r>
-                      </m:e>
-                    </m:d>
-                    <m:r>
-                      <a:rPr lang="pl-PL" sz="1800" b="0" i="1" u="none" strike="noStrike" smtClean="0">
-                        <a:solidFill>
-                          <a:srgbClr val="000000"/>
-                        </a:solidFill>
-                        <a:effectLst/>
-                        <a:latin typeface="Cambria Math" panose="02040503050406030204" pitchFamily="18" charset="0"/>
-                        <a:ea typeface="Cambria Math" panose="02040503050406030204" pitchFamily="18" charset="0"/>
-                      </a:rPr>
-                      <m:t>,</m:t>
-                    </m:r>
-                    <m:r>
-                      <a:rPr lang="pl-PL" i="1">
-                        <a:solidFill>
-                          <a:srgbClr val="000000"/>
-                        </a:solidFill>
-                        <a:latin typeface="Cambria Math" panose="02040503050406030204" pitchFamily="18" charset="0"/>
-                      </a:rPr>
-                      <m:t>∀</m:t>
-                    </m:r>
-                    <m:r>
-                      <a:rPr lang="pl-PL" i="1">
-                        <a:solidFill>
-                          <a:srgbClr val="000000"/>
-                        </a:solidFill>
-                        <a:latin typeface="Cambria Math" panose="02040503050406030204" pitchFamily="18" charset="0"/>
-                        <a:ea typeface="Cambria Math" panose="02040503050406030204" pitchFamily="18" charset="0"/>
-                      </a:rPr>
-                      <m:t>𝑥</m:t>
-                    </m:r>
-                    <m:r>
-                      <a:rPr lang="pl-PL" b="0" i="1" smtClean="0">
-                        <a:solidFill>
-                          <a:srgbClr val="000000"/>
-                        </a:solidFill>
-                        <a:latin typeface="Cambria Math" panose="02040503050406030204" pitchFamily="18" charset="0"/>
-                        <a:ea typeface="Cambria Math" panose="02040503050406030204" pitchFamily="18" charset="0"/>
-                      </a:rPr>
-                      <m:t>,</m:t>
-                    </m:r>
-                    <m:r>
-                      <a:rPr lang="pl-PL" b="0" i="1" smtClean="0">
-                        <a:solidFill>
-                          <a:srgbClr val="000000"/>
-                        </a:solidFill>
-                        <a:latin typeface="Cambria Math" panose="02040503050406030204" pitchFamily="18" charset="0"/>
-                        <a:ea typeface="Cambria Math" panose="02040503050406030204" pitchFamily="18" charset="0"/>
-                      </a:rPr>
-                      <m:t>𝑝</m:t>
-                    </m:r>
-                    <m:r>
-                      <a:rPr lang="pl-PL" i="1">
-                        <a:solidFill>
-                          <a:srgbClr val="000000"/>
-                        </a:solidFill>
-                        <a:latin typeface="Cambria Math" panose="02040503050406030204" pitchFamily="18" charset="0"/>
-                        <a:ea typeface="Cambria Math" panose="02040503050406030204" pitchFamily="18" charset="0"/>
-                      </a:rPr>
-                      <m:t>∈</m:t>
-                    </m:r>
-                    <m:r>
-                      <a:rPr lang="pl-PL" i="1">
-                        <a:solidFill>
-                          <a:srgbClr val="000000"/>
-                        </a:solidFill>
-                        <a:latin typeface="Cambria Math" panose="02040503050406030204" pitchFamily="18" charset="0"/>
-                        <a:ea typeface="Cambria Math" panose="02040503050406030204" pitchFamily="18" charset="0"/>
-                      </a:rPr>
-                      <m:t>𝑃</m:t>
-                    </m:r>
-                  </m:oMath>
-                </a14:m>
-                <a:r>
-                  <a:rPr lang="pl-PL" sz="1800" b="0" i="0" u="none" strike="noStrike" dirty="0">
-                    <a:solidFill>
-                      <a:srgbClr val="000000"/>
-                    </a:solidFill>
-                    <a:effectLst/>
-                    <a:latin typeface="Trebuchet MS (Tekst podstawowy)"/>
-                  </a:rPr>
-                  <a:t> </a:t>
-                </a:r>
-                <a:r>
-                  <a:rPr lang="pl-PL" dirty="0">
-                    <a:solidFill>
-                      <a:srgbClr val="000000"/>
-                    </a:solidFill>
-                    <a:latin typeface="Trebuchet MS (Tekst podstawowy)"/>
-                  </a:rPr>
-                  <a:t>- ograniczenie pomocnicze do obliczenia z(p)</a:t>
-                </a:r>
-                <a:endParaRPr lang="pl-PL" sz="1800" b="0" i="0" u="none" strike="noStrike" dirty="0">
-                  <a:solidFill>
-                    <a:srgbClr val="000000"/>
-                  </a:solidFill>
-                  <a:effectLst/>
-                  <a:latin typeface="Trebuchet MS (Tekst podstawowy)"/>
-                </a:endParaRPr>
-              </a:p>
-              <a:p>
-                <a:pPr rtl="0" fontAlgn="base">
-                  <a:lnSpc>
-                    <a:spcPct val="150000"/>
-                  </a:lnSpc>
-                  <a:spcBef>
-                    <a:spcPts val="0"/>
-                  </a:spcBef>
-                  <a:spcAft>
-                    <a:spcPts val="0"/>
-                  </a:spcAft>
-                  <a:buFont typeface="+mj-lt"/>
-                  <a:buAutoNum type="arabicPeriod"/>
-                </a:pPr>
-                <a14:m>
-                  <m:oMath xmlns:m="http://schemas.openxmlformats.org/officeDocument/2006/math">
-                    <m:r>
-                      <a:rPr lang="pl-PL" sz="1800" b="0" i="1" u="none" strike="noStrike" smtClean="0">
-                        <a:solidFill>
-                          <a:srgbClr val="000000"/>
-                        </a:solidFill>
-                        <a:effectLst/>
-                        <a:latin typeface="Cambria Math" panose="02040503050406030204" pitchFamily="18" charset="0"/>
-                      </a:rPr>
-                      <m:t>𝑧</m:t>
-                    </m:r>
-                    <m:d>
-                      <m:dPr>
-                        <m:ctrlPr>
-                          <a:rPr lang="pl-PL" sz="1800" b="0" i="1" u="none" strike="noStrike" smtClean="0">
-                            <a:solidFill>
-                              <a:srgbClr val="000000"/>
-                            </a:solidFill>
-                            <a:effectLst/>
-                            <a:latin typeface="Cambria Math" panose="02040503050406030204" pitchFamily="18" charset="0"/>
-                          </a:rPr>
-                        </m:ctrlPr>
-                      </m:dPr>
-                      <m:e>
-                        <m:r>
-                          <a:rPr lang="pl-PL" sz="1800" b="0" i="1" u="none" strike="noStrike" smtClean="0">
-                            <a:solidFill>
-                              <a:srgbClr val="000000"/>
-                            </a:solidFill>
-                            <a:effectLst/>
-                            <a:latin typeface="Cambria Math" panose="02040503050406030204" pitchFamily="18" charset="0"/>
-                          </a:rPr>
-                          <m:t>𝑝</m:t>
-                        </m:r>
-                      </m:e>
-                    </m:d>
-                    <m:r>
-                      <a:rPr lang="pl-PL" sz="1800" b="0" i="1" u="none" strike="noStrike" smtClean="0">
-                        <a:solidFill>
-                          <a:srgbClr val="000000"/>
-                        </a:solidFill>
-                        <a:effectLst/>
-                        <a:latin typeface="Cambria Math" panose="02040503050406030204" pitchFamily="18" charset="0"/>
-                        <a:ea typeface="Cambria Math" panose="02040503050406030204" pitchFamily="18" charset="0"/>
-                      </a:rPr>
-                      <m:t>≥</m:t>
-                    </m:r>
-                    <m:r>
-                      <a:rPr lang="pl-PL" sz="1800" b="0" i="1" u="none" strike="noStrike" smtClean="0">
-                        <a:solidFill>
-                          <a:srgbClr val="000000"/>
-                        </a:solidFill>
-                        <a:effectLst/>
-                        <a:latin typeface="Cambria Math" panose="02040503050406030204" pitchFamily="18" charset="0"/>
-                        <a:ea typeface="Cambria Math" panose="02040503050406030204" pitchFamily="18" charset="0"/>
-                      </a:rPr>
-                      <m:t>𝑜</m:t>
-                    </m:r>
-                    <m:d>
-                      <m:dPr>
-                        <m:ctrlPr>
-                          <a:rPr lang="pl-PL" sz="1800" b="0" i="1" u="none" strike="noStrike" smtClean="0">
-                            <a:solidFill>
-                              <a:srgbClr val="000000"/>
-                            </a:solidFill>
-                            <a:effectLst/>
-                            <a:latin typeface="Cambria Math" panose="02040503050406030204" pitchFamily="18" charset="0"/>
-                            <a:ea typeface="Cambria Math" panose="02040503050406030204" pitchFamily="18" charset="0"/>
-                          </a:rPr>
-                        </m:ctrlPr>
-                      </m:dPr>
-                      <m:e>
-                        <m:r>
-                          <a:rPr lang="pl-PL" sz="1800" b="0" i="1" u="none" strike="noStrike" smtClean="0">
-                            <a:solidFill>
-                              <a:srgbClr val="000000"/>
-                            </a:solidFill>
-                            <a:effectLst/>
-                            <a:latin typeface="Cambria Math" panose="02040503050406030204" pitchFamily="18" charset="0"/>
-                            <a:ea typeface="Cambria Math" panose="02040503050406030204" pitchFamily="18" charset="0"/>
-                          </a:rPr>
-                          <m:t>𝑝</m:t>
-                        </m:r>
-                        <m:r>
-                          <a:rPr lang="pl-PL" sz="1800" b="0" i="1" u="none" strike="noStrike" smtClean="0">
-                            <a:solidFill>
-                              <a:srgbClr val="000000"/>
-                            </a:solidFill>
-                            <a:effectLst/>
-                            <a:latin typeface="Cambria Math" panose="02040503050406030204" pitchFamily="18" charset="0"/>
-                            <a:ea typeface="Cambria Math" panose="02040503050406030204" pitchFamily="18" charset="0"/>
-                          </a:rPr>
-                          <m:t>,</m:t>
-                        </m:r>
-                        <m:sSub>
-                          <m:sSubPr>
-                            <m:ctrlPr>
-                              <a:rPr lang="pl-PL" sz="1800" b="0" i="1" u="none" strike="noStrike" smtClean="0">
-                                <a:solidFill>
-                                  <a:srgbClr val="000000"/>
-                                </a:solidFill>
-                                <a:effectLst/>
-                                <a:latin typeface="Cambria Math" panose="02040503050406030204" pitchFamily="18" charset="0"/>
-                                <a:ea typeface="Cambria Math" panose="02040503050406030204" pitchFamily="18" charset="0"/>
-                              </a:rPr>
-                            </m:ctrlPr>
-                          </m:sSubPr>
-                          <m:e>
-                            <m:r>
-                              <a:rPr lang="pl-PL" sz="1800" b="0" i="1" u="none" strike="noStrike" smtClean="0">
-                                <a:solidFill>
-                                  <a:srgbClr val="000000"/>
-                                </a:solidFill>
-                                <a:effectLst/>
-                                <a:latin typeface="Cambria Math" panose="02040503050406030204" pitchFamily="18" charset="0"/>
-                                <a:ea typeface="Cambria Math" panose="02040503050406030204" pitchFamily="18" charset="0"/>
-                              </a:rPr>
-                              <m:t>𝑝</m:t>
-                            </m:r>
-                          </m:e>
-                          <m:sub>
-                            <m:r>
-                              <a:rPr lang="pl-PL" sz="1800" b="0" i="1" u="none" strike="noStrike" smtClean="0">
-                                <a:solidFill>
-                                  <a:srgbClr val="000000"/>
-                                </a:solidFill>
-                                <a:effectLst/>
-                                <a:latin typeface="Cambria Math" panose="02040503050406030204" pitchFamily="18" charset="0"/>
-                                <a:ea typeface="Cambria Math" panose="02040503050406030204" pitchFamily="18" charset="0"/>
-                              </a:rPr>
-                              <m:t>𝑡𝑜</m:t>
-                            </m:r>
-                          </m:sub>
-                        </m:sSub>
-                      </m:e>
-                    </m:d>
-                    <m:r>
-                      <a:rPr lang="pl-PL" i="1">
-                        <a:solidFill>
-                          <a:srgbClr val="000000"/>
-                        </a:solidFill>
-                        <a:latin typeface="Cambria Math" panose="02040503050406030204" pitchFamily="18" charset="0"/>
-                        <a:ea typeface="Cambria Math" panose="02040503050406030204" pitchFamily="18" charset="0"/>
-                      </a:rPr>
-                      <m:t>∙</m:t>
-                    </m:r>
-                    <m:r>
-                      <a:rPr lang="pl-PL" b="0" i="1" smtClean="0">
-                        <a:solidFill>
-                          <a:srgbClr val="000000"/>
-                        </a:solidFill>
-                        <a:latin typeface="Cambria Math" panose="02040503050406030204" pitchFamily="18" charset="0"/>
-                        <a:ea typeface="Cambria Math" panose="02040503050406030204" pitchFamily="18" charset="0"/>
-                      </a:rPr>
-                      <m:t>𝑒</m:t>
-                    </m:r>
-                    <m:d>
-                      <m:dPr>
-                        <m:ctrlPr>
-                          <a:rPr lang="pl-PL" b="0" i="1" smtClean="0">
-                            <a:solidFill>
-                              <a:srgbClr val="000000"/>
-                            </a:solidFill>
-                            <a:latin typeface="Cambria Math" panose="02040503050406030204" pitchFamily="18" charset="0"/>
-                            <a:ea typeface="Cambria Math" panose="02040503050406030204" pitchFamily="18" charset="0"/>
-                          </a:rPr>
-                        </m:ctrlPr>
-                      </m:dPr>
-                      <m:e>
-                        <m:sSub>
-                          <m:sSubPr>
-                            <m:ctrlPr>
-                              <a:rPr lang="pl-PL" b="0" i="1" smtClean="0">
-                                <a:solidFill>
-                                  <a:srgbClr val="000000"/>
-                                </a:solidFill>
-                                <a:latin typeface="Cambria Math" panose="02040503050406030204" pitchFamily="18" charset="0"/>
-                                <a:ea typeface="Cambria Math" panose="02040503050406030204" pitchFamily="18" charset="0"/>
-                              </a:rPr>
-                            </m:ctrlPr>
-                          </m:sSubPr>
-                          <m:e>
-                            <m:r>
-                              <a:rPr lang="pl-PL" b="0" i="1" smtClean="0">
-                                <a:solidFill>
-                                  <a:srgbClr val="000000"/>
-                                </a:solidFill>
-                                <a:latin typeface="Cambria Math" panose="02040503050406030204" pitchFamily="18" charset="0"/>
-                                <a:ea typeface="Cambria Math" panose="02040503050406030204" pitchFamily="18" charset="0"/>
-                              </a:rPr>
-                              <m:t>𝑝</m:t>
-                            </m:r>
-                          </m:e>
-                          <m:sub>
-                            <m:r>
-                              <a:rPr lang="pl-PL" b="0" i="1" smtClean="0">
-                                <a:solidFill>
-                                  <a:srgbClr val="000000"/>
-                                </a:solidFill>
-                                <a:latin typeface="Cambria Math" panose="02040503050406030204" pitchFamily="18" charset="0"/>
-                                <a:ea typeface="Cambria Math" panose="02040503050406030204" pitchFamily="18" charset="0"/>
-                              </a:rPr>
-                              <m:t>𝑡𝑜</m:t>
-                            </m:r>
-                          </m:sub>
-                        </m:sSub>
-                      </m:e>
-                    </m:d>
-                    <m:r>
-                      <a:rPr lang="pl-PL" b="0" i="1" smtClean="0">
-                        <a:solidFill>
-                          <a:srgbClr val="000000"/>
-                        </a:solidFill>
-                        <a:latin typeface="Cambria Math" panose="02040503050406030204" pitchFamily="18" charset="0"/>
-                        <a:ea typeface="Cambria Math" panose="02040503050406030204" pitchFamily="18" charset="0"/>
-                      </a:rPr>
-                      <m:t>−</m:t>
-                    </m:r>
-                    <m:r>
-                      <a:rPr lang="pl-PL" b="0" i="1" smtClean="0">
-                        <a:solidFill>
-                          <a:srgbClr val="000000"/>
-                        </a:solidFill>
-                        <a:latin typeface="Cambria Math" panose="02040503050406030204" pitchFamily="18" charset="0"/>
-                        <a:ea typeface="Cambria Math" panose="02040503050406030204" pitchFamily="18" charset="0"/>
-                      </a:rPr>
-                      <m:t>𝑀</m:t>
-                    </m:r>
-                    <m:r>
-                      <a:rPr lang="pl-PL" b="0" i="1" smtClean="0">
-                        <a:solidFill>
-                          <a:srgbClr val="000000"/>
-                        </a:solidFill>
-                        <a:latin typeface="Cambria Math" panose="02040503050406030204" pitchFamily="18" charset="0"/>
-                        <a:ea typeface="Cambria Math" panose="02040503050406030204" pitchFamily="18" charset="0"/>
-                      </a:rPr>
-                      <m:t>∙</m:t>
-                    </m:r>
-                    <m:r>
-                      <a:rPr lang="pl-PL" b="0" i="1" smtClean="0">
-                        <a:solidFill>
-                          <a:srgbClr val="000000"/>
-                        </a:solidFill>
-                        <a:latin typeface="Cambria Math" panose="02040503050406030204" pitchFamily="18" charset="0"/>
-                        <a:ea typeface="Cambria Math" panose="02040503050406030204" pitchFamily="18" charset="0"/>
-                      </a:rPr>
-                      <m:t>𝑦</m:t>
-                    </m:r>
-                    <m:r>
-                      <a:rPr lang="pl-PL" b="0" i="1" smtClean="0">
-                        <a:solidFill>
-                          <a:srgbClr val="000000"/>
-                        </a:solidFill>
-                        <a:latin typeface="Cambria Math" panose="02040503050406030204" pitchFamily="18" charset="0"/>
-                        <a:ea typeface="Cambria Math" panose="02040503050406030204" pitchFamily="18" charset="0"/>
-                      </a:rPr>
-                      <m:t>(</m:t>
-                    </m:r>
-                    <m:r>
-                      <a:rPr lang="pl-PL" b="0" i="1" smtClean="0">
-                        <a:solidFill>
-                          <a:srgbClr val="000000"/>
-                        </a:solidFill>
-                        <a:latin typeface="Cambria Math" panose="02040503050406030204" pitchFamily="18" charset="0"/>
-                        <a:ea typeface="Cambria Math" panose="02040503050406030204" pitchFamily="18" charset="0"/>
-                      </a:rPr>
-                      <m:t>𝑝</m:t>
-                    </m:r>
-                    <m:r>
-                      <a:rPr lang="pl-PL" b="0" i="1" smtClean="0">
-                        <a:solidFill>
-                          <a:srgbClr val="000000"/>
-                        </a:solidFill>
-                        <a:latin typeface="Cambria Math" panose="02040503050406030204" pitchFamily="18" charset="0"/>
-                        <a:ea typeface="Cambria Math" panose="02040503050406030204" pitchFamily="18" charset="0"/>
-                      </a:rPr>
-                      <m:t>,</m:t>
-                    </m:r>
-                    <m:sSub>
-                      <m:sSubPr>
-                        <m:ctrlPr>
-                          <a:rPr lang="pl-PL" b="0" i="1" smtClean="0">
-                            <a:solidFill>
-                              <a:srgbClr val="000000"/>
-                            </a:solidFill>
-                            <a:latin typeface="Cambria Math" panose="02040503050406030204" pitchFamily="18" charset="0"/>
-                            <a:ea typeface="Cambria Math" panose="02040503050406030204" pitchFamily="18" charset="0"/>
-                          </a:rPr>
-                        </m:ctrlPr>
-                      </m:sSubPr>
-                      <m:e>
-                        <m:r>
-                          <a:rPr lang="pl-PL" b="0" i="1" smtClean="0">
-                            <a:solidFill>
-                              <a:srgbClr val="000000"/>
-                            </a:solidFill>
-                            <a:latin typeface="Cambria Math" panose="02040503050406030204" pitchFamily="18" charset="0"/>
-                            <a:ea typeface="Cambria Math" panose="02040503050406030204" pitchFamily="18" charset="0"/>
-                          </a:rPr>
-                          <m:t>𝑝</m:t>
-                        </m:r>
-                      </m:e>
-                      <m:sub>
-                        <m:r>
-                          <a:rPr lang="pl-PL" b="0" i="1" smtClean="0">
-                            <a:solidFill>
-                              <a:srgbClr val="000000"/>
-                            </a:solidFill>
-                            <a:latin typeface="Cambria Math" panose="02040503050406030204" pitchFamily="18" charset="0"/>
-                            <a:ea typeface="Cambria Math" panose="02040503050406030204" pitchFamily="18" charset="0"/>
-                          </a:rPr>
-                          <m:t>𝑡𝑜</m:t>
-                        </m:r>
-                      </m:sub>
-                    </m:sSub>
-                    <m:r>
-                      <a:rPr lang="pl-PL" b="0" i="1" smtClean="0">
-                        <a:solidFill>
-                          <a:srgbClr val="000000"/>
-                        </a:solidFill>
-                        <a:latin typeface="Cambria Math" panose="02040503050406030204" pitchFamily="18" charset="0"/>
-                        <a:ea typeface="Cambria Math" panose="02040503050406030204" pitchFamily="18" charset="0"/>
-                      </a:rPr>
-                      <m:t>)</m:t>
-                    </m:r>
-                  </m:oMath>
-                </a14:m>
-                <a:r>
-                  <a:rPr lang="pl-PL" sz="1800" b="0" i="0" u="none" strike="noStrike" dirty="0">
-                    <a:solidFill>
-                      <a:srgbClr val="000000"/>
-                    </a:solidFill>
-                    <a:effectLst/>
-                    <a:latin typeface="Trebuchet MS (Tekst podstawowy)"/>
-                  </a:rPr>
-                  <a:t> – wyznaczenie odległości punktu zapotrzebowania </a:t>
-                </a:r>
-                <a:r>
-                  <a:rPr lang="pl-PL" sz="1800" b="0" i="1" u="none" strike="noStrike" dirty="0">
-                    <a:solidFill>
-                      <a:srgbClr val="000000"/>
-                    </a:solidFill>
-                    <a:effectLst/>
-                    <a:latin typeface="Trebuchet MS (Tekst podstawowy)"/>
-                  </a:rPr>
-                  <a:t>p</a:t>
-                </a:r>
-                <a:r>
-                  <a:rPr lang="pl-PL" sz="1800" b="0" i="0" u="none" strike="noStrike" dirty="0">
-                    <a:solidFill>
-                      <a:srgbClr val="000000"/>
-                    </a:solidFill>
-                    <a:effectLst/>
-                    <a:latin typeface="Trebuchet MS (Tekst podstawowy)"/>
-                  </a:rPr>
-                  <a:t> od najbliższej stacji hulajnóg</a:t>
-                </a:r>
-              </a:p>
-              <a:p>
-                <a:endParaRPr lang="pl-PL" dirty="0">
-                  <a:latin typeface="Trebuchet MS (Tekst podstawowy)"/>
-                </a:endParaRPr>
-              </a:p>
-            </p:txBody>
-          </p:sp>
-        </mc:Choice>
-        <mc:Fallback>
-          <p:sp>
-            <p:nvSpPr>
-              <p:cNvPr id="3" name="Symbol zastępczy zawartości 2">
-                <a:extLst>
-                  <a:ext uri="{FF2B5EF4-FFF2-40B4-BE49-F238E27FC236}">
-                    <a16:creationId xmlns:a16="http://schemas.microsoft.com/office/drawing/2014/main" id="{6618171B-5A90-4CAA-9AED-E0C1015B7BDA}"/>
-                  </a:ext>
-                </a:extLst>
-              </p:cNvPr>
-              <p:cNvSpPr>
-                <a:spLocks noGrp="1" noRot="1" noChangeAspect="1" noMove="1" noResize="1" noEditPoints="1" noAdjustHandles="1" noChangeArrowheads="1" noChangeShapeType="1" noTextEdit="1"/>
-              </p:cNvSpPr>
-              <p:nvPr>
-                <p:ph idx="1"/>
-              </p:nvPr>
-            </p:nvSpPr>
-            <p:spPr>
-              <a:blipFill>
-                <a:blip r:embed="rId2"/>
-                <a:stretch>
-                  <a:fillRect l="-213" t="-8948"/>
-                </a:stretch>
-              </a:blipFill>
-            </p:spPr>
-            <p:txBody>
-              <a:bodyPr/>
-              <a:lstStyle/>
-              <a:p>
-                <a:r>
-                  <a:rPr lang="pl-PL">
-                    <a:noFill/>
-                  </a:rPr>
-                  <a:t> </a:t>
-                </a:r>
-              </a:p>
-            </p:txBody>
-          </p:sp>
-        </mc:Fallback>
-      </mc:AlternateContent>
-    </p:spTree>
-    <p:extLst>
-      <p:ext uri="{BB962C8B-B14F-4D97-AF65-F5344CB8AC3E}">
-        <p14:creationId xmlns:p14="http://schemas.microsoft.com/office/powerpoint/2010/main" val="1151499991"/>
-      </p:ext>
-    </p:extLst>
-  </p:cSld>
-  <p:clrMapOvr>
-    <a:masterClrMapping/>
-  </p:clrMapOvr>
-</p:sld>
-</file>
-
-<file path=ppt/slides/slide8.xml><?xml version="1.0" encoding="utf-8"?>
-<p:sld xmlns:a="http://schemas.openxmlformats.org/drawingml/2006/main" xmlns:r="http://schemas.openxmlformats.org/officeDocument/2006/relationships" xmlns:p="http://schemas.openxmlformats.org/presentationml/2006/main">
-  <p:cSld>
-    <p:spTree>
-      <p:nvGrpSpPr>
-        <p:cNvPr id="1" name=""/>
-        <p:cNvGrpSpPr/>
-        <p:nvPr/>
-      </p:nvGrpSpPr>
-      <p:grpSpPr>
-        <a:xfrm>
-          <a:off x="0" y="0"/>
-          <a:ext cx="0" cy="0"/>
-          <a:chOff x="0" y="0"/>
-          <a:chExt cx="0" cy="0"/>
-        </a:xfrm>
-      </p:grpSpPr>
-      <p:sp>
-        <p:nvSpPr>
-          <p:cNvPr id="2" name="Tytuł 1">
-            <a:extLst>
-              <a:ext uri="{FF2B5EF4-FFF2-40B4-BE49-F238E27FC236}">
                 <a16:creationId xmlns:a16="http://schemas.microsoft.com/office/drawing/2014/main" id="{51E95AD3-2DB0-4C51-A7D5-30458E67C623}"/>
               </a:ext>
             </a:extLst>
@@ -10253,7 +9146,7 @@
 </p:sld>
 </file>
 
-<file path=ppt/slides/slide9.xml><?xml version="1.0" encoding="utf-8"?>
+<file path=ppt/slides/slide8.xml><?xml version="1.0" encoding="utf-8"?>
 <p:sld xmlns:a="http://schemas.openxmlformats.org/drawingml/2006/main" xmlns:r="http://schemas.openxmlformats.org/officeDocument/2006/relationships" xmlns:p="http://schemas.openxmlformats.org/presentationml/2006/main">
   <p:cSld>
     <p:spTree>
